--- a/presentations/02_What_is_cloud.pptx
+++ b/presentations/02_What_is_cloud.pptx
@@ -394,7 +394,7 @@
           <a:p>
             <a:fld id="{C7D5C5CF-EC13-4922-9963-1003B612C353}" type="datetimeFigureOut">
               <a:rPr lang="en-US" smtClean="0"/>
-              <a:t>09-Jun-21</a:t>
+              <a:t>27-Jan-22</a:t>
             </a:fld>
             <a:endParaRPr lang="en-US"/>
           </a:p>
@@ -4373,7 +4373,7 @@
           <a:p>
             <a:fld id="{DED68B2C-3021-48BA-A5BE-74845F75E7EB}" type="datetimeFigureOut">
               <a:rPr lang="en-US" smtClean="0"/>
-              <a:t>09-Jun-21</a:t>
+              <a:t>27-Jan-22</a:t>
             </a:fld>
             <a:endParaRPr lang="en-US"/>
           </a:p>
@@ -4571,7 +4571,7 @@
           <a:p>
             <a:fld id="{DED68B2C-3021-48BA-A5BE-74845F75E7EB}" type="datetimeFigureOut">
               <a:rPr lang="en-US" smtClean="0"/>
-              <a:t>09-Jun-21</a:t>
+              <a:t>27-Jan-22</a:t>
             </a:fld>
             <a:endParaRPr lang="en-US"/>
           </a:p>
@@ -4779,7 +4779,7 @@
           <a:p>
             <a:fld id="{DED68B2C-3021-48BA-A5BE-74845F75E7EB}" type="datetimeFigureOut">
               <a:rPr lang="en-US" smtClean="0"/>
-              <a:t>09-Jun-21</a:t>
+              <a:t>27-Jan-22</a:t>
             </a:fld>
             <a:endParaRPr lang="en-US"/>
           </a:p>
@@ -4977,7 +4977,7 @@
           <a:p>
             <a:fld id="{DED68B2C-3021-48BA-A5BE-74845F75E7EB}" type="datetimeFigureOut">
               <a:rPr lang="en-US" smtClean="0"/>
-              <a:t>09-Jun-21</a:t>
+              <a:t>27-Jan-22</a:t>
             </a:fld>
             <a:endParaRPr lang="en-US"/>
           </a:p>
@@ -5252,7 +5252,7 @@
           <a:p>
             <a:fld id="{DED68B2C-3021-48BA-A5BE-74845F75E7EB}" type="datetimeFigureOut">
               <a:rPr lang="en-US" smtClean="0"/>
-              <a:t>09-Jun-21</a:t>
+              <a:t>27-Jan-22</a:t>
             </a:fld>
             <a:endParaRPr lang="en-US"/>
           </a:p>
@@ -5517,7 +5517,7 @@
           <a:p>
             <a:fld id="{DED68B2C-3021-48BA-A5BE-74845F75E7EB}" type="datetimeFigureOut">
               <a:rPr lang="en-US" smtClean="0"/>
-              <a:t>09-Jun-21</a:t>
+              <a:t>27-Jan-22</a:t>
             </a:fld>
             <a:endParaRPr lang="en-US"/>
           </a:p>
@@ -5929,7 +5929,7 @@
           <a:p>
             <a:fld id="{DED68B2C-3021-48BA-A5BE-74845F75E7EB}" type="datetimeFigureOut">
               <a:rPr lang="en-US" smtClean="0"/>
-              <a:t>09-Jun-21</a:t>
+              <a:t>27-Jan-22</a:t>
             </a:fld>
             <a:endParaRPr lang="en-US"/>
           </a:p>
@@ -6070,7 +6070,7 @@
           <a:p>
             <a:fld id="{DED68B2C-3021-48BA-A5BE-74845F75E7EB}" type="datetimeFigureOut">
               <a:rPr lang="en-US" smtClean="0"/>
-              <a:t>09-Jun-21</a:t>
+              <a:t>27-Jan-22</a:t>
             </a:fld>
             <a:endParaRPr lang="en-US"/>
           </a:p>
@@ -6183,7 +6183,7 @@
           <a:p>
             <a:fld id="{DED68B2C-3021-48BA-A5BE-74845F75E7EB}" type="datetimeFigureOut">
               <a:rPr lang="en-US" smtClean="0"/>
-              <a:t>09-Jun-21</a:t>
+              <a:t>27-Jan-22</a:t>
             </a:fld>
             <a:endParaRPr lang="en-US"/>
           </a:p>
@@ -6494,7 +6494,7 @@
           <a:p>
             <a:fld id="{DED68B2C-3021-48BA-A5BE-74845F75E7EB}" type="datetimeFigureOut">
               <a:rPr lang="en-US" smtClean="0"/>
-              <a:t>09-Jun-21</a:t>
+              <a:t>27-Jan-22</a:t>
             </a:fld>
             <a:endParaRPr lang="en-US"/>
           </a:p>
@@ -6782,7 +6782,7 @@
           <a:p>
             <a:fld id="{DED68B2C-3021-48BA-A5BE-74845F75E7EB}" type="datetimeFigureOut">
               <a:rPr lang="en-US" smtClean="0"/>
-              <a:t>09-Jun-21</a:t>
+              <a:t>27-Jan-22</a:t>
             </a:fld>
             <a:endParaRPr lang="en-US"/>
           </a:p>
@@ -7023,7 +7023,7 @@
           <a:p>
             <a:fld id="{DED68B2C-3021-48BA-A5BE-74845F75E7EB}" type="datetimeFigureOut">
               <a:rPr lang="en-US" smtClean="0"/>
-              <a:t>09-Jun-21</a:t>
+              <a:t>27-Jan-22</a:t>
             </a:fld>
             <a:endParaRPr lang="en-US"/>
           </a:p>
@@ -9493,7 +9493,7 @@
             </a:pPr>
             <a:r>
               <a:rPr lang="en-US" dirty="0"/>
-              <a:t>Learning session 1 (June 17-19)</a:t>
+              <a:t>Learning session 1</a:t>
             </a:r>
           </a:p>
           <a:p>
@@ -14038,7 +14038,7 @@
             </a:r>
             <a:r>
               <a:rPr lang="en-US" dirty="0"/>
-              <a:t> (likely will be replaced/hidden by </a:t>
+              <a:t> (is being replaced by </a:t>
             </a:r>
             <a:r>
               <a:rPr lang="en-US" dirty="0">
@@ -16082,64 +16082,41 @@
               <a:rPr lang="en-US" dirty="0">
                 <a:hlinkClick r:id="rId2"/>
               </a:rPr>
-              <a:t>Azure</a:t>
-            </a:r>
-            <a:r>
-              <a:rPr lang="en-US" dirty="0"/>
-              <a:t> and </a:t>
+              <a:t>single table</a:t>
+            </a:r>
+            <a:endParaRPr lang="en-US" dirty="0"/>
+          </a:p>
+          <a:p>
+            <a:r>
+              <a:rPr lang="en-US" dirty="0"/>
+              <a:t>Compare Azure to others: </a:t>
             </a:r>
             <a:r>
               <a:rPr lang="en-US" dirty="0">
                 <a:hlinkClick r:id="rId3"/>
               </a:rPr>
-              <a:t>AWS</a:t>
-            </a:r>
-            <a:r>
-              <a:rPr lang="en-US" dirty="0"/>
-              <a:t> (</a:t>
+              <a:t>GCP</a:t>
+            </a:r>
+            <a:r>
+              <a:rPr lang="en-US" dirty="0"/>
+              <a:t> and </a:t>
             </a:r>
             <a:r>
               <a:rPr lang="en-US" dirty="0">
                 <a:hlinkClick r:id="rId4"/>
               </a:rPr>
-              <a:t>single table</a:t>
-            </a:r>
-            <a:r>
-              <a:rPr lang="en-US" dirty="0"/>
-              <a:t>)</a:t>
-            </a:r>
-          </a:p>
-          <a:p>
-            <a:r>
-              <a:rPr lang="en-US" dirty="0"/>
-              <a:t>Compare Azure to others: </a:t>
+              <a:t>AWS</a:t>
+            </a:r>
+            <a:endParaRPr lang="en-US" dirty="0"/>
+          </a:p>
+          <a:p>
+            <a:r>
+              <a:rPr lang="en-US" dirty="0"/>
+              <a:t>+ IBM, Oracle, Alibaba at </a:t>
             </a:r>
             <a:r>
               <a:rPr lang="en-US" dirty="0">
                 <a:hlinkClick r:id="rId5"/>
-              </a:rPr>
-              <a:t>GCP</a:t>
-            </a:r>
-            <a:r>
-              <a:rPr lang="en-US" dirty="0"/>
-              <a:t> and </a:t>
-            </a:r>
-            <a:r>
-              <a:rPr lang="en-US" dirty="0">
-                <a:hlinkClick r:id="rId6"/>
-              </a:rPr>
-              <a:t>AWS</a:t>
-            </a:r>
-            <a:endParaRPr lang="en-US" dirty="0"/>
-          </a:p>
-          <a:p>
-            <a:r>
-              <a:rPr lang="en-US" dirty="0"/>
-              <a:t>+ IBM, Oracle, Alibaba at </a:t>
-            </a:r>
-            <a:r>
-              <a:rPr lang="en-US" dirty="0">
-                <a:hlinkClick r:id="rId7"/>
               </a:rPr>
               <a:t>Compare Clouds</a:t>
             </a:r>

--- a/presentations/02_What_is_cloud.pptx
+++ b/presentations/02_What_is_cloud.pptx
@@ -5,7 +5,7 @@
     <p:sldMasterId id="2147483648" r:id="rId1"/>
   </p:sldMasterIdLst>
   <p:notesMasterIdLst>
-    <p:notesMasterId r:id="rId64"/>
+    <p:notesMasterId r:id="rId65"/>
   </p:notesMasterIdLst>
   <p:sldIdLst>
     <p:sldId id="257" r:id="rId2"/>
@@ -50,26 +50,27 @@
     <p:sldId id="314" r:id="rId41"/>
     <p:sldId id="315" r:id="rId42"/>
     <p:sldId id="316" r:id="rId43"/>
-    <p:sldId id="287" r:id="rId44"/>
-    <p:sldId id="285" r:id="rId45"/>
-    <p:sldId id="296" r:id="rId46"/>
-    <p:sldId id="289" r:id="rId47"/>
-    <p:sldId id="305" r:id="rId48"/>
-    <p:sldId id="306" r:id="rId49"/>
-    <p:sldId id="295" r:id="rId50"/>
-    <p:sldId id="318" r:id="rId51"/>
-    <p:sldId id="320" r:id="rId52"/>
-    <p:sldId id="322" r:id="rId53"/>
-    <p:sldId id="323" r:id="rId54"/>
-    <p:sldId id="321" r:id="rId55"/>
-    <p:sldId id="319" r:id="rId56"/>
-    <p:sldId id="297" r:id="rId57"/>
-    <p:sldId id="299" r:id="rId58"/>
-    <p:sldId id="300" r:id="rId59"/>
-    <p:sldId id="309" r:id="rId60"/>
-    <p:sldId id="310" r:id="rId61"/>
-    <p:sldId id="283" r:id="rId62"/>
-    <p:sldId id="304" r:id="rId63"/>
+    <p:sldId id="325" r:id="rId44"/>
+    <p:sldId id="287" r:id="rId45"/>
+    <p:sldId id="285" r:id="rId46"/>
+    <p:sldId id="296" r:id="rId47"/>
+    <p:sldId id="289" r:id="rId48"/>
+    <p:sldId id="305" r:id="rId49"/>
+    <p:sldId id="306" r:id="rId50"/>
+    <p:sldId id="295" r:id="rId51"/>
+    <p:sldId id="318" r:id="rId52"/>
+    <p:sldId id="320" r:id="rId53"/>
+    <p:sldId id="322" r:id="rId54"/>
+    <p:sldId id="323" r:id="rId55"/>
+    <p:sldId id="321" r:id="rId56"/>
+    <p:sldId id="319" r:id="rId57"/>
+    <p:sldId id="297" r:id="rId58"/>
+    <p:sldId id="299" r:id="rId59"/>
+    <p:sldId id="300" r:id="rId60"/>
+    <p:sldId id="309" r:id="rId61"/>
+    <p:sldId id="310" r:id="rId62"/>
+    <p:sldId id="283" r:id="rId63"/>
+    <p:sldId id="304" r:id="rId64"/>
   </p:sldIdLst>
   <p:sldSz cx="12192000" cy="6858000"/>
   <p:notesSz cx="6858000" cy="9144000"/>
@@ -394,7 +395,7 @@
           <a:p>
             <a:fld id="{C7D5C5CF-EC13-4922-9963-1003B612C353}" type="datetimeFigureOut">
               <a:rPr lang="en-US" smtClean="0"/>
-              <a:t>27-Jan-22</a:t>
+              <a:t>02-Feb-22</a:t>
             </a:fld>
             <a:endParaRPr lang="en-US"/>
           </a:p>
@@ -3505,7 +3506,27 @@
           <a:bodyPr/>
           <a:lstStyle/>
           <a:p>
-            <a:endParaRPr lang="en-US" dirty="0"/>
+            <a:pPr marL="0" marR="0" lvl="0" indent="0" algn="l" defTabSz="914400" rtl="0" eaLnBrk="1" fontAlgn="auto" latinLnBrk="0" hangingPunct="1">
+              <a:lnSpc>
+                <a:spcPct val="100000"/>
+              </a:lnSpc>
+              <a:spcBef>
+                <a:spcPts val="0"/>
+              </a:spcBef>
+              <a:spcAft>
+                <a:spcPts val="0"/>
+              </a:spcAft>
+              <a:buClrTx/>
+              <a:buSzTx/>
+              <a:buFontTx/>
+              <a:buNone/>
+              <a:tabLst/>
+              <a:defRPr/>
+            </a:pPr>
+            <a:endParaRPr lang="en-US" sz="1200" dirty="0">
+              <a:effectLst/>
+              <a:latin typeface="Calibri" panose="020F0502020204030204" pitchFamily="34" charset="0"/>
+            </a:endParaRPr>
           </a:p>
         </p:txBody>
       </p:sp>
@@ -3535,7 +3556,7 @@
     </p:spTree>
     <p:extLst>
       <p:ext uri="{BB962C8B-B14F-4D97-AF65-F5344CB8AC3E}">
-        <p14:creationId xmlns:p14="http://schemas.microsoft.com/office/powerpoint/2010/main" val="1653417716"/>
+        <p14:creationId xmlns:p14="http://schemas.microsoft.com/office/powerpoint/2010/main" val="1750296449"/>
       </p:ext>
     </p:extLst>
   </p:cSld>
@@ -3589,10 +3610,7 @@
           <a:bodyPr/>
           <a:lstStyle/>
           <a:p>
-            <a:r>
-              <a:rPr lang="en-US" dirty="0"/>
-              <a:t>Terraform demo</a:t>
-            </a:r>
+            <a:endParaRPr lang="en-US" dirty="0"/>
           </a:p>
         </p:txBody>
       </p:sp>
@@ -3613,7 +3631,7 @@
           <a:p>
             <a:fld id="{D069639D-5AB7-4371-A9D3-E0E6C11750DB}" type="slidenum">
               <a:rPr lang="en-US" smtClean="0"/>
-              <a:t>56</a:t>
+              <a:t>44</a:t>
             </a:fld>
             <a:endParaRPr lang="en-US"/>
           </a:p>
@@ -3622,7 +3640,7 @@
     </p:spTree>
     <p:extLst>
       <p:ext uri="{BB962C8B-B14F-4D97-AF65-F5344CB8AC3E}">
-        <p14:creationId xmlns:p14="http://schemas.microsoft.com/office/powerpoint/2010/main" val="2593123449"/>
+        <p14:creationId xmlns:p14="http://schemas.microsoft.com/office/powerpoint/2010/main" val="1653417716"/>
       </p:ext>
     </p:extLst>
   </p:cSld>
@@ -3788,6 +3806,93 @@
             <a:fld id="{D069639D-5AB7-4371-A9D3-E0E6C11750DB}" type="slidenum">
               <a:rPr lang="en-US" smtClean="0"/>
               <a:t>57</a:t>
+            </a:fld>
+            <a:endParaRPr lang="en-US"/>
+          </a:p>
+        </p:txBody>
+      </p:sp>
+    </p:spTree>
+    <p:extLst>
+      <p:ext uri="{BB962C8B-B14F-4D97-AF65-F5344CB8AC3E}">
+        <p14:creationId xmlns:p14="http://schemas.microsoft.com/office/powerpoint/2010/main" val="2593123449"/>
+      </p:ext>
+    </p:extLst>
+  </p:cSld>
+  <p:clrMapOvr>
+    <a:masterClrMapping/>
+  </p:clrMapOvr>
+</p:notes>
+</file>
+
+<file path=ppt/notesSlides/notesSlide41.xml><?xml version="1.0" encoding="utf-8"?>
+<p:notes xmlns:a="http://schemas.openxmlformats.org/drawingml/2006/main" xmlns:r="http://schemas.openxmlformats.org/officeDocument/2006/relationships" xmlns:p="http://schemas.openxmlformats.org/presentationml/2006/main">
+  <p:cSld>
+    <p:spTree>
+      <p:nvGrpSpPr>
+        <p:cNvPr id="1" name=""/>
+        <p:cNvGrpSpPr/>
+        <p:nvPr/>
+      </p:nvGrpSpPr>
+      <p:grpSpPr>
+        <a:xfrm>
+          <a:off x="0" y="0"/>
+          <a:ext cx="0" cy="0"/>
+          <a:chOff x="0" y="0"/>
+          <a:chExt cx="0" cy="0"/>
+        </a:xfrm>
+      </p:grpSpPr>
+      <p:sp>
+        <p:nvSpPr>
+          <p:cNvPr id="2" name="Slide Image Placeholder 1"/>
+          <p:cNvSpPr>
+            <a:spLocks noGrp="1" noRot="1" noChangeAspect="1"/>
+          </p:cNvSpPr>
+          <p:nvPr>
+            <p:ph type="sldImg"/>
+          </p:nvPr>
+        </p:nvSpPr>
+        <p:spPr/>
+      </p:sp>
+      <p:sp>
+        <p:nvSpPr>
+          <p:cNvPr id="3" name="Notes Placeholder 2"/>
+          <p:cNvSpPr>
+            <a:spLocks noGrp="1"/>
+          </p:cNvSpPr>
+          <p:nvPr>
+            <p:ph type="body" idx="1"/>
+          </p:nvPr>
+        </p:nvSpPr>
+        <p:spPr/>
+        <p:txBody>
+          <a:bodyPr/>
+          <a:lstStyle/>
+          <a:p>
+            <a:r>
+              <a:rPr lang="en-US" dirty="0"/>
+              <a:t>Terraform demo</a:t>
+            </a:r>
+          </a:p>
+        </p:txBody>
+      </p:sp>
+      <p:sp>
+        <p:nvSpPr>
+          <p:cNvPr id="4" name="Slide Number Placeholder 3"/>
+          <p:cNvSpPr>
+            <a:spLocks noGrp="1"/>
+          </p:cNvSpPr>
+          <p:nvPr>
+            <p:ph type="sldNum" sz="quarter" idx="5"/>
+          </p:nvPr>
+        </p:nvSpPr>
+        <p:spPr/>
+        <p:txBody>
+          <a:bodyPr/>
+          <a:lstStyle/>
+          <a:p>
+            <a:fld id="{D069639D-5AB7-4371-A9D3-E0E6C11750DB}" type="slidenum">
+              <a:rPr lang="en-US" smtClean="0"/>
+              <a:t>58</a:t>
             </a:fld>
             <a:endParaRPr lang="en-US"/>
           </a:p>
@@ -4373,7 +4478,7 @@
           <a:p>
             <a:fld id="{DED68B2C-3021-48BA-A5BE-74845F75E7EB}" type="datetimeFigureOut">
               <a:rPr lang="en-US" smtClean="0"/>
-              <a:t>27-Jan-22</a:t>
+              <a:t>02-Feb-22</a:t>
             </a:fld>
             <a:endParaRPr lang="en-US"/>
           </a:p>
@@ -4571,7 +4676,7 @@
           <a:p>
             <a:fld id="{DED68B2C-3021-48BA-A5BE-74845F75E7EB}" type="datetimeFigureOut">
               <a:rPr lang="en-US" smtClean="0"/>
-              <a:t>27-Jan-22</a:t>
+              <a:t>02-Feb-22</a:t>
             </a:fld>
             <a:endParaRPr lang="en-US"/>
           </a:p>
@@ -4779,7 +4884,7 @@
           <a:p>
             <a:fld id="{DED68B2C-3021-48BA-A5BE-74845F75E7EB}" type="datetimeFigureOut">
               <a:rPr lang="en-US" smtClean="0"/>
-              <a:t>27-Jan-22</a:t>
+              <a:t>02-Feb-22</a:t>
             </a:fld>
             <a:endParaRPr lang="en-US"/>
           </a:p>
@@ -4977,7 +5082,7 @@
           <a:p>
             <a:fld id="{DED68B2C-3021-48BA-A5BE-74845F75E7EB}" type="datetimeFigureOut">
               <a:rPr lang="en-US" smtClean="0"/>
-              <a:t>27-Jan-22</a:t>
+              <a:t>02-Feb-22</a:t>
             </a:fld>
             <a:endParaRPr lang="en-US"/>
           </a:p>
@@ -5252,7 +5357,7 @@
           <a:p>
             <a:fld id="{DED68B2C-3021-48BA-A5BE-74845F75E7EB}" type="datetimeFigureOut">
               <a:rPr lang="en-US" smtClean="0"/>
-              <a:t>27-Jan-22</a:t>
+              <a:t>02-Feb-22</a:t>
             </a:fld>
             <a:endParaRPr lang="en-US"/>
           </a:p>
@@ -5517,7 +5622,7 @@
           <a:p>
             <a:fld id="{DED68B2C-3021-48BA-A5BE-74845F75E7EB}" type="datetimeFigureOut">
               <a:rPr lang="en-US" smtClean="0"/>
-              <a:t>27-Jan-22</a:t>
+              <a:t>02-Feb-22</a:t>
             </a:fld>
             <a:endParaRPr lang="en-US"/>
           </a:p>
@@ -5929,7 +6034,7 @@
           <a:p>
             <a:fld id="{DED68B2C-3021-48BA-A5BE-74845F75E7EB}" type="datetimeFigureOut">
               <a:rPr lang="en-US" smtClean="0"/>
-              <a:t>27-Jan-22</a:t>
+              <a:t>02-Feb-22</a:t>
             </a:fld>
             <a:endParaRPr lang="en-US"/>
           </a:p>
@@ -6070,7 +6175,7 @@
           <a:p>
             <a:fld id="{DED68B2C-3021-48BA-A5BE-74845F75E7EB}" type="datetimeFigureOut">
               <a:rPr lang="en-US" smtClean="0"/>
-              <a:t>27-Jan-22</a:t>
+              <a:t>02-Feb-22</a:t>
             </a:fld>
             <a:endParaRPr lang="en-US"/>
           </a:p>
@@ -6183,7 +6288,7 @@
           <a:p>
             <a:fld id="{DED68B2C-3021-48BA-A5BE-74845F75E7EB}" type="datetimeFigureOut">
               <a:rPr lang="en-US" smtClean="0"/>
-              <a:t>27-Jan-22</a:t>
+              <a:t>02-Feb-22</a:t>
             </a:fld>
             <a:endParaRPr lang="en-US"/>
           </a:p>
@@ -6494,7 +6599,7 @@
           <a:p>
             <a:fld id="{DED68B2C-3021-48BA-A5BE-74845F75E7EB}" type="datetimeFigureOut">
               <a:rPr lang="en-US" smtClean="0"/>
-              <a:t>27-Jan-22</a:t>
+              <a:t>02-Feb-22</a:t>
             </a:fld>
             <a:endParaRPr lang="en-US"/>
           </a:p>
@@ -6782,7 +6887,7 @@
           <a:p>
             <a:fld id="{DED68B2C-3021-48BA-A5BE-74845F75E7EB}" type="datetimeFigureOut">
               <a:rPr lang="en-US" smtClean="0"/>
-              <a:t>27-Jan-22</a:t>
+              <a:t>02-Feb-22</a:t>
             </a:fld>
             <a:endParaRPr lang="en-US"/>
           </a:p>
@@ -7023,7 +7128,7 @@
           <a:p>
             <a:fld id="{DED68B2C-3021-48BA-A5BE-74845F75E7EB}" type="datetimeFigureOut">
               <a:rPr lang="en-US" smtClean="0"/>
-              <a:t>27-Jan-22</a:t>
+              <a:t>02-Feb-22</a:t>
             </a:fld>
             <a:endParaRPr lang="en-US"/>
           </a:p>
@@ -13661,61 +13766,83 @@
       </p:grpSpPr>
       <p:sp>
         <p:nvSpPr>
-          <p:cNvPr id="4" name="Title 3">
-            <a:extLst>
-              <a:ext uri="{FF2B5EF4-FFF2-40B4-BE49-F238E27FC236}">
-                <a16:creationId xmlns:a16="http://schemas.microsoft.com/office/drawing/2014/main" id="{9E1DF1B6-58D5-41D2-955A-43EA0575EBEE}"/>
-              </a:ext>
-            </a:extLst>
-          </p:cNvPr>
-          <p:cNvSpPr>
-            <a:spLocks noGrp="1"/>
-          </p:cNvSpPr>
-          <p:nvPr>
-            <p:ph type="ctrTitle"/>
-          </p:nvPr>
-        </p:nvSpPr>
-        <p:spPr/>
-        <p:txBody>
-          <a:bodyPr/>
-          <a:lstStyle/>
-          <a:p>
-            <a:r>
-              <a:rPr lang="en-US" dirty="0"/>
-              <a:t>Resource Management</a:t>
-            </a:r>
-          </a:p>
-        </p:txBody>
-      </p:sp>
-      <p:sp>
-        <p:nvSpPr>
-          <p:cNvPr id="5" name="Subtitle 4">
-            <a:extLst>
-              <a:ext uri="{FF2B5EF4-FFF2-40B4-BE49-F238E27FC236}">
-                <a16:creationId xmlns:a16="http://schemas.microsoft.com/office/drawing/2014/main" id="{CA40325A-03E4-4726-954E-CC90E9B18E11}"/>
-              </a:ext>
-            </a:extLst>
-          </p:cNvPr>
-          <p:cNvSpPr>
-            <a:spLocks noGrp="1"/>
-          </p:cNvSpPr>
-          <p:nvPr>
-            <p:ph type="subTitle" idx="1"/>
-          </p:nvPr>
-        </p:nvSpPr>
-        <p:spPr/>
-        <p:txBody>
-          <a:bodyPr/>
-          <a:lstStyle/>
-          <a:p>
-            <a:endParaRPr lang="en-US"/>
-          </a:p>
-        </p:txBody>
-      </p:sp>
+          <p:cNvPr id="2" name="Title 1">
+            <a:extLst>
+              <a:ext uri="{FF2B5EF4-FFF2-40B4-BE49-F238E27FC236}">
+                <a16:creationId xmlns:a16="http://schemas.microsoft.com/office/drawing/2014/main" id="{1EC9CE42-E6EF-4286-8540-6193B4295CC2}"/>
+              </a:ext>
+            </a:extLst>
+          </p:cNvPr>
+          <p:cNvSpPr>
+            <a:spLocks noGrp="1"/>
+          </p:cNvSpPr>
+          <p:nvPr>
+            <p:ph type="title"/>
+          </p:nvPr>
+        </p:nvSpPr>
+        <p:spPr/>
+        <p:txBody>
+          <a:bodyPr/>
+          <a:lstStyle/>
+          <a:p>
+            <a:r>
+              <a:rPr lang="en-US" dirty="0"/>
+              <a:t>p.s.</a:t>
+            </a:r>
+          </a:p>
+        </p:txBody>
+      </p:sp>
+      <p:pic>
+        <p:nvPicPr>
+          <p:cNvPr id="1026" name="Picture 2" descr="Image">
+            <a:extLst>
+              <a:ext uri="{FF2B5EF4-FFF2-40B4-BE49-F238E27FC236}">
+                <a16:creationId xmlns:a16="http://schemas.microsoft.com/office/drawing/2014/main" id="{7F462B1C-E313-4DFB-8EF1-22CC9DF21A42}"/>
+              </a:ext>
+            </a:extLst>
+          </p:cNvPr>
+          <p:cNvPicPr>
+            <a:picLocks noChangeAspect="1" noChangeArrowheads="1"/>
+          </p:cNvPicPr>
+          <p:nvPr/>
+        </p:nvPicPr>
+        <p:blipFill>
+          <a:blip r:embed="rId3">
+            <a:extLst>
+              <a:ext uri="{28A0092B-C50C-407E-A947-70E740481C1C}">
+                <a14:useLocalDpi xmlns:a14="http://schemas.microsoft.com/office/drawing/2010/main" val="0"/>
+              </a:ext>
+            </a:extLst>
+          </a:blip>
+          <a:srcRect/>
+          <a:stretch>
+            <a:fillRect/>
+          </a:stretch>
+        </p:blipFill>
+        <p:spPr bwMode="auto">
+          <a:xfrm>
+            <a:off x="838200" y="1690688"/>
+            <a:ext cx="6377402" cy="4738627"/>
+          </a:xfrm>
+          <a:prstGeom prst="rect">
+            <a:avLst/>
+          </a:prstGeom>
+          <a:noFill/>
+          <a:extLst>
+            <a:ext uri="{909E8E84-426E-40DD-AFC4-6F175D3DCCD1}">
+              <a14:hiddenFill xmlns:a14="http://schemas.microsoft.com/office/drawing/2010/main">
+                <a:solidFill>
+                  <a:srgbClr val="FFFFFF"/>
+                </a:solidFill>
+              </a14:hiddenFill>
+            </a:ext>
+          </a:extLst>
+        </p:spPr>
+      </p:pic>
     </p:spTree>
     <p:extLst>
       <p:ext uri="{BB962C8B-B14F-4D97-AF65-F5344CB8AC3E}">
-        <p14:creationId xmlns:p14="http://schemas.microsoft.com/office/powerpoint/2010/main" val="2387276346"/>
+        <p14:creationId xmlns:p14="http://schemas.microsoft.com/office/powerpoint/2010/main" val="250624660"/>
       </p:ext>
     </p:extLst>
   </p:cSld>
@@ -13744,18 +13871,18 @@
       </p:grpSpPr>
       <p:sp>
         <p:nvSpPr>
-          <p:cNvPr id="2" name="Title 1">
-            <a:extLst>
-              <a:ext uri="{FF2B5EF4-FFF2-40B4-BE49-F238E27FC236}">
-                <a16:creationId xmlns:a16="http://schemas.microsoft.com/office/drawing/2014/main" id="{1EC9CE42-E6EF-4286-8540-6193B4295CC2}"/>
-              </a:ext>
-            </a:extLst>
-          </p:cNvPr>
-          <p:cNvSpPr>
-            <a:spLocks noGrp="1"/>
-          </p:cNvSpPr>
-          <p:nvPr>
-            <p:ph type="title"/>
+          <p:cNvPr id="4" name="Title 3">
+            <a:extLst>
+              <a:ext uri="{FF2B5EF4-FFF2-40B4-BE49-F238E27FC236}">
+                <a16:creationId xmlns:a16="http://schemas.microsoft.com/office/drawing/2014/main" id="{9E1DF1B6-58D5-41D2-955A-43EA0575EBEE}"/>
+              </a:ext>
+            </a:extLst>
+          </p:cNvPr>
+          <p:cNvSpPr>
+            <a:spLocks noGrp="1"/>
+          </p:cNvSpPr>
+          <p:nvPr>
+            <p:ph type="ctrTitle"/>
           </p:nvPr>
         </p:nvSpPr>
         <p:spPr/>
@@ -13772,48 +13899,33 @@
       </p:sp>
       <p:sp>
         <p:nvSpPr>
-          <p:cNvPr id="3" name="Content Placeholder 2">
-            <a:extLst>
-              <a:ext uri="{FF2B5EF4-FFF2-40B4-BE49-F238E27FC236}">
-                <a16:creationId xmlns:a16="http://schemas.microsoft.com/office/drawing/2014/main" id="{5F799448-D93E-46BE-8072-FEA87C3CA57F}"/>
-              </a:ext>
-            </a:extLst>
-          </p:cNvPr>
-          <p:cNvSpPr>
-            <a:spLocks noGrp="1"/>
-          </p:cNvSpPr>
-          <p:nvPr>
-            <p:ph idx="1"/>
-          </p:nvPr>
-        </p:nvSpPr>
-        <p:spPr/>
-        <p:txBody>
-          <a:bodyPr/>
-          <a:lstStyle/>
-          <a:p>
-            <a:r>
-              <a:rPr lang="en-US" dirty="0"/>
-              <a:t>Interface to create, update, delete components</a:t>
-            </a:r>
-          </a:p>
-          <a:p>
-            <a:r>
-              <a:rPr lang="en-US" dirty="0"/>
-              <a:t>Service to (de)provision components as a result of API request</a:t>
-            </a:r>
-          </a:p>
-          <a:p>
-            <a:r>
-              <a:rPr lang="en-US" dirty="0"/>
-              <a:t>Monitoring</a:t>
-            </a:r>
+          <p:cNvPr id="5" name="Subtitle 4">
+            <a:extLst>
+              <a:ext uri="{FF2B5EF4-FFF2-40B4-BE49-F238E27FC236}">
+                <a16:creationId xmlns:a16="http://schemas.microsoft.com/office/drawing/2014/main" id="{CA40325A-03E4-4726-954E-CC90E9B18E11}"/>
+              </a:ext>
+            </a:extLst>
+          </p:cNvPr>
+          <p:cNvSpPr>
+            <a:spLocks noGrp="1"/>
+          </p:cNvSpPr>
+          <p:nvPr>
+            <p:ph type="subTitle" idx="1"/>
+          </p:nvPr>
+        </p:nvSpPr>
+        <p:spPr/>
+        <p:txBody>
+          <a:bodyPr/>
+          <a:lstStyle/>
+          <a:p>
+            <a:endParaRPr lang="en-US"/>
           </a:p>
         </p:txBody>
       </p:sp>
     </p:spTree>
     <p:extLst>
       <p:ext uri="{BB962C8B-B14F-4D97-AF65-F5344CB8AC3E}">
-        <p14:creationId xmlns:p14="http://schemas.microsoft.com/office/powerpoint/2010/main" val="2136901098"/>
+        <p14:creationId xmlns:p14="http://schemas.microsoft.com/office/powerpoint/2010/main" val="2387276346"/>
       </p:ext>
     </p:extLst>
   </p:cSld>
@@ -13868,45 +13980,50 @@
           </a:p>
         </p:txBody>
       </p:sp>
-      <p:pic>
-        <p:nvPicPr>
-          <p:cNvPr id="5" name="Content Placeholder 4" descr="Graphical user interface, text, application, chat or text message&#10;&#10;Description automatically generated">
-            <a:extLst>
-              <a:ext uri="{FF2B5EF4-FFF2-40B4-BE49-F238E27FC236}">
-                <a16:creationId xmlns:a16="http://schemas.microsoft.com/office/drawing/2014/main" id="{F02EF6E3-7AC5-47C4-AEB3-8E8ADF766A40}"/>
-              </a:ext>
-            </a:extLst>
-          </p:cNvPr>
-          <p:cNvPicPr>
-            <a:picLocks noGrp="1" noChangeAspect="1"/>
-          </p:cNvPicPr>
+      <p:sp>
+        <p:nvSpPr>
+          <p:cNvPr id="3" name="Content Placeholder 2">
+            <a:extLst>
+              <a:ext uri="{FF2B5EF4-FFF2-40B4-BE49-F238E27FC236}">
+                <a16:creationId xmlns:a16="http://schemas.microsoft.com/office/drawing/2014/main" id="{5F799448-D93E-46BE-8072-FEA87C3CA57F}"/>
+              </a:ext>
+            </a:extLst>
+          </p:cNvPr>
+          <p:cNvSpPr>
+            <a:spLocks noGrp="1"/>
+          </p:cNvSpPr>
           <p:nvPr>
             <p:ph idx="1"/>
           </p:nvPr>
-        </p:nvPicPr>
-        <p:blipFill>
-          <a:blip r:embed="rId2">
-            <a:extLst>
-              <a:ext uri="{28A0092B-C50C-407E-A947-70E740481C1C}">
-                <a14:useLocalDpi xmlns:a14="http://schemas.microsoft.com/office/drawing/2010/main" val="0"/>
-              </a:ext>
-            </a:extLst>
-          </a:blip>
-          <a:stretch>
-            <a:fillRect/>
-          </a:stretch>
-        </p:blipFill>
-        <p:spPr>
-          <a:xfrm>
-            <a:off x="982304" y="1926077"/>
-            <a:ext cx="8880833" cy="3603979"/>
-          </a:xfrm>
-        </p:spPr>
-      </p:pic>
+        </p:nvSpPr>
+        <p:spPr/>
+        <p:txBody>
+          <a:bodyPr/>
+          <a:lstStyle/>
+          <a:p>
+            <a:r>
+              <a:rPr lang="en-US" dirty="0"/>
+              <a:t>Interface to create, update, delete components</a:t>
+            </a:r>
+          </a:p>
+          <a:p>
+            <a:r>
+              <a:rPr lang="en-US" dirty="0"/>
+              <a:t>Service to (de)provision components as a result of API request</a:t>
+            </a:r>
+          </a:p>
+          <a:p>
+            <a:r>
+              <a:rPr lang="en-US" dirty="0"/>
+              <a:t>Monitoring</a:t>
+            </a:r>
+          </a:p>
+        </p:txBody>
+      </p:sp>
     </p:spTree>
     <p:extLst>
       <p:ext uri="{BB962C8B-B14F-4D97-AF65-F5344CB8AC3E}">
-        <p14:creationId xmlns:p14="http://schemas.microsoft.com/office/powerpoint/2010/main" val="2802703886"/>
+        <p14:creationId xmlns:p14="http://schemas.microsoft.com/office/powerpoint/2010/main" val="2136901098"/>
       </p:ext>
     </p:extLst>
   </p:cSld>
@@ -13961,145 +14078,45 @@
           </a:p>
         </p:txBody>
       </p:sp>
-      <p:sp>
-        <p:nvSpPr>
-          <p:cNvPr id="3" name="Content Placeholder 2">
-            <a:extLst>
-              <a:ext uri="{FF2B5EF4-FFF2-40B4-BE49-F238E27FC236}">
-                <a16:creationId xmlns:a16="http://schemas.microsoft.com/office/drawing/2014/main" id="{5F799448-D93E-46BE-8072-FEA87C3CA57F}"/>
-              </a:ext>
-            </a:extLst>
-          </p:cNvPr>
-          <p:cNvSpPr>
-            <a:spLocks noGrp="1"/>
-          </p:cNvSpPr>
+      <p:pic>
+        <p:nvPicPr>
+          <p:cNvPr id="5" name="Content Placeholder 4" descr="Graphical user interface, text, application, chat or text message&#10;&#10;Description automatically generated">
+            <a:extLst>
+              <a:ext uri="{FF2B5EF4-FFF2-40B4-BE49-F238E27FC236}">
+                <a16:creationId xmlns:a16="http://schemas.microsoft.com/office/drawing/2014/main" id="{F02EF6E3-7AC5-47C4-AEB3-8E8ADF766A40}"/>
+              </a:ext>
+            </a:extLst>
+          </p:cNvPr>
+          <p:cNvPicPr>
+            <a:picLocks noGrp="1" noChangeAspect="1"/>
+          </p:cNvPicPr>
           <p:nvPr>
             <p:ph idx="1"/>
           </p:nvPr>
-        </p:nvSpPr>
-        <p:spPr/>
-        <p:txBody>
-          <a:bodyPr/>
-          <a:lstStyle/>
-          <a:p>
-            <a:pPr marL="0" indent="0">
-              <a:buNone/>
-            </a:pPr>
-            <a:r>
-              <a:rPr lang="en-US" dirty="0"/>
-              <a:t>Tools:</a:t>
-            </a:r>
-          </a:p>
-          <a:p>
-            <a:r>
-              <a:rPr lang="en-US" dirty="0"/>
-              <a:t>Native</a:t>
-            </a:r>
-          </a:p>
-          <a:p>
-            <a:pPr lvl="1"/>
-            <a:r>
-              <a:rPr lang="en-US" dirty="0" err="1"/>
-              <a:t>aws</a:t>
-            </a:r>
-            <a:r>
-              <a:rPr lang="en-US" dirty="0"/>
-              <a:t>: </a:t>
-            </a:r>
-            <a:r>
-              <a:rPr lang="en-US" dirty="0">
-                <a:hlinkClick r:id="rId2"/>
-              </a:rPr>
-              <a:t>Cloud Formation</a:t>
-            </a:r>
-            <a:r>
-              <a:rPr lang="en-US" dirty="0"/>
-              <a:t> or </a:t>
-            </a:r>
-            <a:r>
-              <a:rPr lang="en-US" dirty="0">
-                <a:hlinkClick r:id="rId3"/>
-              </a:rPr>
-              <a:t>Cloud Development Kit</a:t>
-            </a:r>
-            <a:endParaRPr lang="en-US" dirty="0"/>
-          </a:p>
-          <a:p>
-            <a:pPr lvl="1"/>
-            <a:r>
-              <a:rPr lang="en-US" dirty="0"/>
-              <a:t>azure: </a:t>
-            </a:r>
-            <a:r>
-              <a:rPr lang="en-US" dirty="0">
-                <a:hlinkClick r:id="rId4"/>
-              </a:rPr>
-              <a:t>ARM templates</a:t>
-            </a:r>
-            <a:r>
-              <a:rPr lang="en-US" dirty="0"/>
-              <a:t> (is being replaced by </a:t>
-            </a:r>
-            <a:r>
-              <a:rPr lang="en-US" dirty="0">
-                <a:hlinkClick r:id="rId5"/>
-              </a:rPr>
-              <a:t>bicep</a:t>
-            </a:r>
-            <a:r>
-              <a:rPr lang="en-US" dirty="0"/>
-              <a:t>)</a:t>
-            </a:r>
-          </a:p>
-          <a:p>
-            <a:pPr lvl="1"/>
-            <a:r>
-              <a:rPr lang="en-US" dirty="0" err="1"/>
-              <a:t>gcp</a:t>
-            </a:r>
-            <a:r>
-              <a:rPr lang="en-US" dirty="0"/>
-              <a:t>: </a:t>
-            </a:r>
-            <a:r>
-              <a:rPr lang="en-US" dirty="0">
-                <a:hlinkClick r:id="rId6"/>
-              </a:rPr>
-              <a:t>Cloud Deployment Manager</a:t>
-            </a:r>
-            <a:endParaRPr lang="en-US" dirty="0"/>
-          </a:p>
-          <a:p>
-            <a:pPr lvl="1"/>
-            <a:r>
-              <a:rPr lang="en-US" dirty="0"/>
-              <a:t>cli</a:t>
-            </a:r>
-          </a:p>
-          <a:p>
-            <a:r>
-              <a:rPr lang="en-US" dirty="0">
-                <a:hlinkClick r:id="rId7"/>
-              </a:rPr>
-              <a:t>Terraform</a:t>
-            </a:r>
-            <a:endParaRPr lang="en-US" dirty="0"/>
-          </a:p>
-          <a:p>
-            <a:r>
-              <a:rPr lang="en-US" dirty="0">
-                <a:hlinkClick r:id="rId8"/>
-              </a:rPr>
-              <a:t>Pulumi</a:t>
-            </a:r>
-            <a:endParaRPr lang="en-US" dirty="0"/>
-          </a:p>
-        </p:txBody>
-      </p:sp>
+        </p:nvPicPr>
+        <p:blipFill>
+          <a:blip r:embed="rId2">
+            <a:extLst>
+              <a:ext uri="{28A0092B-C50C-407E-A947-70E740481C1C}">
+                <a14:useLocalDpi xmlns:a14="http://schemas.microsoft.com/office/drawing/2010/main" val="0"/>
+              </a:ext>
+            </a:extLst>
+          </a:blip>
+          <a:stretch>
+            <a:fillRect/>
+          </a:stretch>
+        </p:blipFill>
+        <p:spPr>
+          <a:xfrm>
+            <a:off x="982304" y="1926077"/>
+            <a:ext cx="8880833" cy="3603979"/>
+          </a:xfrm>
+        </p:spPr>
+      </p:pic>
     </p:spTree>
     <p:extLst>
       <p:ext uri="{BB962C8B-B14F-4D97-AF65-F5344CB8AC3E}">
-        <p14:creationId xmlns:p14="http://schemas.microsoft.com/office/powerpoint/2010/main" val="2975000761"/>
+        <p14:creationId xmlns:p14="http://schemas.microsoft.com/office/powerpoint/2010/main" val="2802703886"/>
       </p:ext>
     </p:extLst>
   </p:cSld>
@@ -14154,45 +14171,145 @@
           </a:p>
         </p:txBody>
       </p:sp>
-      <p:pic>
-        <p:nvPicPr>
-          <p:cNvPr id="7" name="Content Placeholder 6" descr="Graphical user interface, application&#10;&#10;Description automatically generated">
-            <a:extLst>
-              <a:ext uri="{FF2B5EF4-FFF2-40B4-BE49-F238E27FC236}">
-                <a16:creationId xmlns:a16="http://schemas.microsoft.com/office/drawing/2014/main" id="{81368AF6-9198-434B-9AB7-BAD54EDF5C76}"/>
-              </a:ext>
-            </a:extLst>
-          </p:cNvPr>
-          <p:cNvPicPr>
-            <a:picLocks noGrp="1" noChangeAspect="1"/>
-          </p:cNvPicPr>
+      <p:sp>
+        <p:nvSpPr>
+          <p:cNvPr id="3" name="Content Placeholder 2">
+            <a:extLst>
+              <a:ext uri="{FF2B5EF4-FFF2-40B4-BE49-F238E27FC236}">
+                <a16:creationId xmlns:a16="http://schemas.microsoft.com/office/drawing/2014/main" id="{5F799448-D93E-46BE-8072-FEA87C3CA57F}"/>
+              </a:ext>
+            </a:extLst>
+          </p:cNvPr>
+          <p:cNvSpPr>
+            <a:spLocks noGrp="1"/>
+          </p:cNvSpPr>
           <p:nvPr>
             <p:ph idx="1"/>
           </p:nvPr>
-        </p:nvPicPr>
-        <p:blipFill>
-          <a:blip r:embed="rId2">
-            <a:extLst>
-              <a:ext uri="{28A0092B-C50C-407E-A947-70E740481C1C}">
-                <a14:useLocalDpi xmlns:a14="http://schemas.microsoft.com/office/drawing/2010/main" val="0"/>
-              </a:ext>
-            </a:extLst>
-          </a:blip>
-          <a:stretch>
-            <a:fillRect/>
-          </a:stretch>
-        </p:blipFill>
-        <p:spPr>
-          <a:xfrm>
-            <a:off x="838200" y="1690688"/>
-            <a:ext cx="7235757" cy="4952008"/>
-          </a:xfrm>
-        </p:spPr>
-      </p:pic>
+        </p:nvSpPr>
+        <p:spPr/>
+        <p:txBody>
+          <a:bodyPr/>
+          <a:lstStyle/>
+          <a:p>
+            <a:pPr marL="0" indent="0">
+              <a:buNone/>
+            </a:pPr>
+            <a:r>
+              <a:rPr lang="en-US" dirty="0"/>
+              <a:t>Tools:</a:t>
+            </a:r>
+          </a:p>
+          <a:p>
+            <a:r>
+              <a:rPr lang="en-US" dirty="0"/>
+              <a:t>Native</a:t>
+            </a:r>
+          </a:p>
+          <a:p>
+            <a:pPr lvl="1"/>
+            <a:r>
+              <a:rPr lang="en-US" dirty="0" err="1"/>
+              <a:t>aws</a:t>
+            </a:r>
+            <a:r>
+              <a:rPr lang="en-US" dirty="0"/>
+              <a:t>: </a:t>
+            </a:r>
+            <a:r>
+              <a:rPr lang="en-US" dirty="0">
+                <a:hlinkClick r:id="rId2"/>
+              </a:rPr>
+              <a:t>Cloud Formation</a:t>
+            </a:r>
+            <a:r>
+              <a:rPr lang="en-US" dirty="0"/>
+              <a:t> or </a:t>
+            </a:r>
+            <a:r>
+              <a:rPr lang="en-US" dirty="0">
+                <a:hlinkClick r:id="rId3"/>
+              </a:rPr>
+              <a:t>Cloud Development Kit</a:t>
+            </a:r>
+            <a:endParaRPr lang="en-US" dirty="0"/>
+          </a:p>
+          <a:p>
+            <a:pPr lvl="1"/>
+            <a:r>
+              <a:rPr lang="en-US" dirty="0"/>
+              <a:t>azure: </a:t>
+            </a:r>
+            <a:r>
+              <a:rPr lang="en-US" dirty="0">
+                <a:hlinkClick r:id="rId4"/>
+              </a:rPr>
+              <a:t>ARM templates</a:t>
+            </a:r>
+            <a:r>
+              <a:rPr lang="en-US" dirty="0"/>
+              <a:t> (is being replaced by </a:t>
+            </a:r>
+            <a:r>
+              <a:rPr lang="en-US" dirty="0">
+                <a:hlinkClick r:id="rId5"/>
+              </a:rPr>
+              <a:t>bicep</a:t>
+            </a:r>
+            <a:r>
+              <a:rPr lang="en-US" dirty="0"/>
+              <a:t>)</a:t>
+            </a:r>
+          </a:p>
+          <a:p>
+            <a:pPr lvl="1"/>
+            <a:r>
+              <a:rPr lang="en-US" dirty="0" err="1"/>
+              <a:t>gcp</a:t>
+            </a:r>
+            <a:r>
+              <a:rPr lang="en-US" dirty="0"/>
+              <a:t>: </a:t>
+            </a:r>
+            <a:r>
+              <a:rPr lang="en-US" dirty="0">
+                <a:hlinkClick r:id="rId6"/>
+              </a:rPr>
+              <a:t>Cloud Deployment Manager</a:t>
+            </a:r>
+            <a:endParaRPr lang="en-US" dirty="0"/>
+          </a:p>
+          <a:p>
+            <a:pPr lvl="1"/>
+            <a:r>
+              <a:rPr lang="en-US" dirty="0"/>
+              <a:t>cli</a:t>
+            </a:r>
+          </a:p>
+          <a:p>
+            <a:r>
+              <a:rPr lang="en-US" dirty="0">
+                <a:hlinkClick r:id="rId7"/>
+              </a:rPr>
+              <a:t>Terraform</a:t>
+            </a:r>
+            <a:endParaRPr lang="en-US" dirty="0"/>
+          </a:p>
+          <a:p>
+            <a:r>
+              <a:rPr lang="en-US" dirty="0">
+                <a:hlinkClick r:id="rId8"/>
+              </a:rPr>
+              <a:t>Pulumi</a:t>
+            </a:r>
+            <a:endParaRPr lang="en-US" dirty="0"/>
+          </a:p>
+        </p:txBody>
+      </p:sp>
     </p:spTree>
     <p:extLst>
       <p:ext uri="{BB962C8B-B14F-4D97-AF65-F5344CB8AC3E}">
-        <p14:creationId xmlns:p14="http://schemas.microsoft.com/office/powerpoint/2010/main" val="1134662843"/>
+        <p14:creationId xmlns:p14="http://schemas.microsoft.com/office/powerpoint/2010/main" val="2975000761"/>
       </p:ext>
     </p:extLst>
   </p:cSld>
@@ -14249,10 +14366,10 @@
       </p:sp>
       <p:pic>
         <p:nvPicPr>
-          <p:cNvPr id="6" name="Content Placeholder 5" descr="Graphical user interface, text, application&#10;&#10;Description automatically generated">
-            <a:extLst>
-              <a:ext uri="{FF2B5EF4-FFF2-40B4-BE49-F238E27FC236}">
-                <a16:creationId xmlns:a16="http://schemas.microsoft.com/office/drawing/2014/main" id="{14C0EB6F-ED54-4C80-AF50-017628FCEC69}"/>
+          <p:cNvPr id="7" name="Content Placeholder 6" descr="Graphical user interface, application&#10;&#10;Description automatically generated">
+            <a:extLst>
+              <a:ext uri="{FF2B5EF4-FFF2-40B4-BE49-F238E27FC236}">
+                <a16:creationId xmlns:a16="http://schemas.microsoft.com/office/drawing/2014/main" id="{81368AF6-9198-434B-9AB7-BAD54EDF5C76}"/>
               </a:ext>
             </a:extLst>
           </p:cNvPr>
@@ -14278,14 +14395,14 @@
         <p:spPr>
           <a:xfrm>
             <a:off x="838200" y="1690688"/>
-            <a:ext cx="6331085" cy="4856562"/>
+            <a:ext cx="7235757" cy="4952008"/>
           </a:xfrm>
         </p:spPr>
       </p:pic>
     </p:spTree>
     <p:extLst>
       <p:ext uri="{BB962C8B-B14F-4D97-AF65-F5344CB8AC3E}">
-        <p14:creationId xmlns:p14="http://schemas.microsoft.com/office/powerpoint/2010/main" val="2819860487"/>
+        <p14:creationId xmlns:p14="http://schemas.microsoft.com/office/powerpoint/2010/main" val="1134662843"/>
       </p:ext>
     </p:extLst>
   </p:cSld>
@@ -14340,101 +14457,45 @@
           </a:p>
         </p:txBody>
       </p:sp>
-      <p:sp>
-        <p:nvSpPr>
-          <p:cNvPr id="3" name="Content Placeholder 2">
-            <a:extLst>
-              <a:ext uri="{FF2B5EF4-FFF2-40B4-BE49-F238E27FC236}">
-                <a16:creationId xmlns:a16="http://schemas.microsoft.com/office/drawing/2014/main" id="{5F799448-D93E-46BE-8072-FEA87C3CA57F}"/>
-              </a:ext>
-            </a:extLst>
-          </p:cNvPr>
-          <p:cNvSpPr>
-            <a:spLocks noGrp="1"/>
-          </p:cNvSpPr>
+      <p:pic>
+        <p:nvPicPr>
+          <p:cNvPr id="6" name="Content Placeholder 5" descr="Graphical user interface, text, application&#10;&#10;Description automatically generated">
+            <a:extLst>
+              <a:ext uri="{FF2B5EF4-FFF2-40B4-BE49-F238E27FC236}">
+                <a16:creationId xmlns:a16="http://schemas.microsoft.com/office/drawing/2014/main" id="{14C0EB6F-ED54-4C80-AF50-017628FCEC69}"/>
+              </a:ext>
+            </a:extLst>
+          </p:cNvPr>
+          <p:cNvPicPr>
+            <a:picLocks noGrp="1" noChangeAspect="1"/>
+          </p:cNvPicPr>
           <p:nvPr>
             <p:ph idx="1"/>
           </p:nvPr>
-        </p:nvSpPr>
-        <p:spPr/>
-        <p:txBody>
-          <a:bodyPr/>
-          <a:lstStyle/>
-          <a:p>
-            <a:pPr marL="0" indent="0">
-              <a:buNone/>
-            </a:pPr>
-            <a:r>
-              <a:rPr lang="en-US" dirty="0"/>
-              <a:t>Why do I need a tool?</a:t>
-            </a:r>
-          </a:p>
-          <a:p>
-            <a:pPr>
-              <a:buFontTx/>
-              <a:buChar char="-"/>
-            </a:pPr>
-            <a:r>
-              <a:rPr lang="en-US" dirty="0"/>
-              <a:t>Repeatable and predictable deployments;</a:t>
-            </a:r>
-          </a:p>
-          <a:p>
-            <a:pPr>
-              <a:buFontTx/>
-              <a:buChar char="-"/>
-            </a:pPr>
-            <a:r>
-              <a:rPr lang="en-US" dirty="0"/>
-              <a:t>Provision a bunch of services in one go</a:t>
-            </a:r>
-          </a:p>
-          <a:p>
-            <a:pPr>
-              <a:buFontTx/>
-              <a:buChar char="-"/>
-            </a:pPr>
-            <a:r>
-              <a:rPr lang="en-US" dirty="0"/>
-              <a:t>Store everything as a code (infrastructure, configuration, policies):</a:t>
-            </a:r>
-          </a:p>
-          <a:p>
-            <a:pPr lvl="1">
-              <a:buFontTx/>
-              <a:buChar char="-"/>
-            </a:pPr>
-            <a:r>
-              <a:rPr lang="en-US" dirty="0"/>
-              <a:t>Validation</a:t>
-            </a:r>
-          </a:p>
-          <a:p>
-            <a:pPr lvl="1">
-              <a:buFontTx/>
-              <a:buChar char="-"/>
-            </a:pPr>
-            <a:r>
-              <a:rPr lang="en-US" dirty="0"/>
-              <a:t>Collaboration: Pull-Requests and reviews, sharing</a:t>
-            </a:r>
-          </a:p>
-          <a:p>
-            <a:pPr lvl="1">
-              <a:buFontTx/>
-              <a:buChar char="-"/>
-            </a:pPr>
-            <a:r>
-              <a:rPr lang="en-US" dirty="0"/>
-              <a:t>Versioning</a:t>
-            </a:r>
-          </a:p>
-        </p:txBody>
-      </p:sp>
+        </p:nvPicPr>
+        <p:blipFill>
+          <a:blip r:embed="rId2">
+            <a:extLst>
+              <a:ext uri="{28A0092B-C50C-407E-A947-70E740481C1C}">
+                <a14:useLocalDpi xmlns:a14="http://schemas.microsoft.com/office/drawing/2010/main" val="0"/>
+              </a:ext>
+            </a:extLst>
+          </a:blip>
+          <a:stretch>
+            <a:fillRect/>
+          </a:stretch>
+        </p:blipFill>
+        <p:spPr>
+          <a:xfrm>
+            <a:off x="838200" y="1690688"/>
+            <a:ext cx="6331085" cy="4856562"/>
+          </a:xfrm>
+        </p:spPr>
+      </p:pic>
     </p:spTree>
     <p:extLst>
       <p:ext uri="{BB962C8B-B14F-4D97-AF65-F5344CB8AC3E}">
-        <p14:creationId xmlns:p14="http://schemas.microsoft.com/office/powerpoint/2010/main" val="3785466597"/>
+        <p14:creationId xmlns:p14="http://schemas.microsoft.com/office/powerpoint/2010/main" val="2819860487"/>
       </p:ext>
     </p:extLst>
   </p:cSld>
@@ -14607,6 +14668,155 @@
 </file>
 
 <file path=ppt/slides/slide50.xml><?xml version="1.0" encoding="utf-8"?>
+<p:sld xmlns:a="http://schemas.openxmlformats.org/drawingml/2006/main" xmlns:r="http://schemas.openxmlformats.org/officeDocument/2006/relationships" xmlns:p="http://schemas.openxmlformats.org/presentationml/2006/main">
+  <p:cSld>
+    <p:spTree>
+      <p:nvGrpSpPr>
+        <p:cNvPr id="1" name=""/>
+        <p:cNvGrpSpPr/>
+        <p:nvPr/>
+      </p:nvGrpSpPr>
+      <p:grpSpPr>
+        <a:xfrm>
+          <a:off x="0" y="0"/>
+          <a:ext cx="0" cy="0"/>
+          <a:chOff x="0" y="0"/>
+          <a:chExt cx="0" cy="0"/>
+        </a:xfrm>
+      </p:grpSpPr>
+      <p:sp>
+        <p:nvSpPr>
+          <p:cNvPr id="2" name="Title 1">
+            <a:extLst>
+              <a:ext uri="{FF2B5EF4-FFF2-40B4-BE49-F238E27FC236}">
+                <a16:creationId xmlns:a16="http://schemas.microsoft.com/office/drawing/2014/main" id="{1EC9CE42-E6EF-4286-8540-6193B4295CC2}"/>
+              </a:ext>
+            </a:extLst>
+          </p:cNvPr>
+          <p:cNvSpPr>
+            <a:spLocks noGrp="1"/>
+          </p:cNvSpPr>
+          <p:nvPr>
+            <p:ph type="title"/>
+          </p:nvPr>
+        </p:nvSpPr>
+        <p:spPr/>
+        <p:txBody>
+          <a:bodyPr/>
+          <a:lstStyle/>
+          <a:p>
+            <a:r>
+              <a:rPr lang="en-US" dirty="0"/>
+              <a:t>Resource Management</a:t>
+            </a:r>
+          </a:p>
+        </p:txBody>
+      </p:sp>
+      <p:sp>
+        <p:nvSpPr>
+          <p:cNvPr id="3" name="Content Placeholder 2">
+            <a:extLst>
+              <a:ext uri="{FF2B5EF4-FFF2-40B4-BE49-F238E27FC236}">
+                <a16:creationId xmlns:a16="http://schemas.microsoft.com/office/drawing/2014/main" id="{5F799448-D93E-46BE-8072-FEA87C3CA57F}"/>
+              </a:ext>
+            </a:extLst>
+          </p:cNvPr>
+          <p:cNvSpPr>
+            <a:spLocks noGrp="1"/>
+          </p:cNvSpPr>
+          <p:nvPr>
+            <p:ph idx="1"/>
+          </p:nvPr>
+        </p:nvSpPr>
+        <p:spPr/>
+        <p:txBody>
+          <a:bodyPr/>
+          <a:lstStyle/>
+          <a:p>
+            <a:pPr marL="0" indent="0">
+              <a:buNone/>
+            </a:pPr>
+            <a:r>
+              <a:rPr lang="en-US" dirty="0"/>
+              <a:t>Why do I need a tool?</a:t>
+            </a:r>
+          </a:p>
+          <a:p>
+            <a:pPr>
+              <a:buFontTx/>
+              <a:buChar char="-"/>
+            </a:pPr>
+            <a:r>
+              <a:rPr lang="en-US" dirty="0"/>
+              <a:t>Repeatable and predictable deployments;</a:t>
+            </a:r>
+          </a:p>
+          <a:p>
+            <a:pPr>
+              <a:buFontTx/>
+              <a:buChar char="-"/>
+            </a:pPr>
+            <a:r>
+              <a:rPr lang="en-US" dirty="0"/>
+              <a:t>Provision a bunch of services in one go</a:t>
+            </a:r>
+          </a:p>
+          <a:p>
+            <a:pPr>
+              <a:buFontTx/>
+              <a:buChar char="-"/>
+            </a:pPr>
+            <a:r>
+              <a:rPr lang="en-US" dirty="0"/>
+              <a:t>Store everything as a code (infrastructure, configuration, policies):</a:t>
+            </a:r>
+          </a:p>
+          <a:p>
+            <a:pPr lvl="1">
+              <a:buFontTx/>
+              <a:buChar char="-"/>
+            </a:pPr>
+            <a:r>
+              <a:rPr lang="en-US" dirty="0"/>
+              <a:t>Validation</a:t>
+            </a:r>
+          </a:p>
+          <a:p>
+            <a:pPr lvl="1">
+              <a:buFontTx/>
+              <a:buChar char="-"/>
+            </a:pPr>
+            <a:r>
+              <a:rPr lang="en-US" dirty="0"/>
+              <a:t>Collaboration: Pull-Requests and reviews, sharing</a:t>
+            </a:r>
+          </a:p>
+          <a:p>
+            <a:pPr lvl="1">
+              <a:buFontTx/>
+              <a:buChar char="-"/>
+            </a:pPr>
+            <a:r>
+              <a:rPr lang="en-US" dirty="0"/>
+              <a:t>Versioning</a:t>
+            </a:r>
+          </a:p>
+        </p:txBody>
+      </p:sp>
+    </p:spTree>
+    <p:extLst>
+      <p:ext uri="{BB962C8B-B14F-4D97-AF65-F5344CB8AC3E}">
+        <p14:creationId xmlns:p14="http://schemas.microsoft.com/office/powerpoint/2010/main" val="3785466597"/>
+      </p:ext>
+    </p:extLst>
+  </p:cSld>
+  <p:clrMapOvr>
+    <a:masterClrMapping/>
+  </p:clrMapOvr>
+</p:sld>
+</file>
+
+<file path=ppt/slides/slide51.xml><?xml version="1.0" encoding="utf-8"?>
 <p:sld xmlns:a="http://schemas.openxmlformats.org/drawingml/2006/main" xmlns:r="http://schemas.openxmlformats.org/officeDocument/2006/relationships" xmlns:p="http://schemas.openxmlformats.org/presentationml/2006/main">
   <p:cSld>
     <p:spTree>
@@ -14694,7 +14904,7 @@
 </p:sld>
 </file>
 
-<file path=ppt/slides/slide51.xml><?xml version="1.0" encoding="utf-8"?>
+<file path=ppt/slides/slide52.xml><?xml version="1.0" encoding="utf-8"?>
 <p:sld xmlns:a="http://schemas.openxmlformats.org/drawingml/2006/main" xmlns:r="http://schemas.openxmlformats.org/officeDocument/2006/relationships" xmlns:p="http://schemas.openxmlformats.org/presentationml/2006/main">
   <p:cSld>
     <p:spTree>
@@ -14782,7 +14992,7 @@
 </p:sld>
 </file>
 
-<file path=ppt/slides/slide52.xml><?xml version="1.0" encoding="utf-8"?>
+<file path=ppt/slides/slide53.xml><?xml version="1.0" encoding="utf-8"?>
 <p:sld xmlns:a="http://schemas.openxmlformats.org/drawingml/2006/main" xmlns:r="http://schemas.openxmlformats.org/officeDocument/2006/relationships" xmlns:p="http://schemas.openxmlformats.org/presentationml/2006/main">
   <p:cSld>
     <p:spTree>
@@ -14870,7 +15080,7 @@
 </p:sld>
 </file>
 
-<file path=ppt/slides/slide53.xml><?xml version="1.0" encoding="utf-8"?>
+<file path=ppt/slides/slide54.xml><?xml version="1.0" encoding="utf-8"?>
 <p:sld xmlns:a="http://schemas.openxmlformats.org/drawingml/2006/main" xmlns:r="http://schemas.openxmlformats.org/officeDocument/2006/relationships" xmlns:p="http://schemas.openxmlformats.org/presentationml/2006/main">
   <p:cSld>
     <p:spTree>
@@ -14958,7 +15168,7 @@
 </p:sld>
 </file>
 
-<file path=ppt/slides/slide54.xml><?xml version="1.0" encoding="utf-8"?>
+<file path=ppt/slides/slide55.xml><?xml version="1.0" encoding="utf-8"?>
 <p:sld xmlns:a="http://schemas.openxmlformats.org/drawingml/2006/main" xmlns:r="http://schemas.openxmlformats.org/officeDocument/2006/relationships" xmlns:p="http://schemas.openxmlformats.org/presentationml/2006/main">
   <p:cSld>
     <p:spTree>
@@ -15046,7 +15256,7 @@
 </p:sld>
 </file>
 
-<file path=ppt/slides/slide55.xml><?xml version="1.0" encoding="utf-8"?>
+<file path=ppt/slides/slide56.xml><?xml version="1.0" encoding="utf-8"?>
 <p:sld xmlns:a="http://schemas.openxmlformats.org/drawingml/2006/main" xmlns:r="http://schemas.openxmlformats.org/officeDocument/2006/relationships" xmlns:p="http://schemas.openxmlformats.org/presentationml/2006/main">
   <p:cSld>
     <p:spTree>
@@ -15134,7 +15344,7 @@
 </p:sld>
 </file>
 
-<file path=ppt/slides/slide56.xml><?xml version="1.0" encoding="utf-8"?>
+<file path=ppt/slides/slide57.xml><?xml version="1.0" encoding="utf-8"?>
 <p:sld xmlns:a="http://schemas.openxmlformats.org/drawingml/2006/main" xmlns:r="http://schemas.openxmlformats.org/officeDocument/2006/relationships" xmlns:p="http://schemas.openxmlformats.org/presentationml/2006/main">
   <p:cSld>
     <p:spTree>
@@ -15392,7 +15602,7 @@
 </p:sld>
 </file>
 
-<file path=ppt/slides/slide57.xml><?xml version="1.0" encoding="utf-8"?>
+<file path=ppt/slides/slide58.xml><?xml version="1.0" encoding="utf-8"?>
 <p:sld xmlns:a="http://schemas.openxmlformats.org/drawingml/2006/main" xmlns:r="http://schemas.openxmlformats.org/officeDocument/2006/relationships" xmlns:p="http://schemas.openxmlformats.org/presentationml/2006/main">
   <p:cSld>
     <p:spTree>
@@ -15646,150 +15856,6 @@
 </p:sld>
 </file>
 
-<file path=ppt/slides/slide58.xml><?xml version="1.0" encoding="utf-8"?>
-<p:sld xmlns:a="http://schemas.openxmlformats.org/drawingml/2006/main" xmlns:r="http://schemas.openxmlformats.org/officeDocument/2006/relationships" xmlns:p="http://schemas.openxmlformats.org/presentationml/2006/main">
-  <p:cSld>
-    <p:spTree>
-      <p:nvGrpSpPr>
-        <p:cNvPr id="1" name=""/>
-        <p:cNvGrpSpPr/>
-        <p:nvPr/>
-      </p:nvGrpSpPr>
-      <p:grpSpPr>
-        <a:xfrm>
-          <a:off x="0" y="0"/>
-          <a:ext cx="0" cy="0"/>
-          <a:chOff x="0" y="0"/>
-          <a:chExt cx="0" cy="0"/>
-        </a:xfrm>
-      </p:grpSpPr>
-      <p:sp>
-        <p:nvSpPr>
-          <p:cNvPr id="2" name="Title 1">
-            <a:extLst>
-              <a:ext uri="{FF2B5EF4-FFF2-40B4-BE49-F238E27FC236}">
-                <a16:creationId xmlns:a16="http://schemas.microsoft.com/office/drawing/2014/main" id="{1EC9CE42-E6EF-4286-8540-6193B4295CC2}"/>
-              </a:ext>
-            </a:extLst>
-          </p:cNvPr>
-          <p:cNvSpPr>
-            <a:spLocks noGrp="1"/>
-          </p:cNvSpPr>
-          <p:nvPr>
-            <p:ph type="title"/>
-          </p:nvPr>
-        </p:nvSpPr>
-        <p:spPr/>
-        <p:txBody>
-          <a:bodyPr/>
-          <a:lstStyle/>
-          <a:p>
-            <a:r>
-              <a:rPr lang="en-US" dirty="0"/>
-              <a:t>Summary</a:t>
-            </a:r>
-          </a:p>
-        </p:txBody>
-      </p:sp>
-      <p:sp>
-        <p:nvSpPr>
-          <p:cNvPr id="3" name="Content Placeholder 2">
-            <a:extLst>
-              <a:ext uri="{FF2B5EF4-FFF2-40B4-BE49-F238E27FC236}">
-                <a16:creationId xmlns:a16="http://schemas.microsoft.com/office/drawing/2014/main" id="{5F799448-D93E-46BE-8072-FEA87C3CA57F}"/>
-              </a:ext>
-            </a:extLst>
-          </p:cNvPr>
-          <p:cNvSpPr>
-            <a:spLocks noGrp="1"/>
-          </p:cNvSpPr>
-          <p:nvPr>
-            <p:ph idx="1"/>
-          </p:nvPr>
-        </p:nvSpPr>
-        <p:spPr/>
-        <p:txBody>
-          <a:bodyPr/>
-          <a:lstStyle/>
-          <a:p>
-            <a:pPr>
-              <a:buFontTx/>
-              <a:buChar char="-"/>
-            </a:pPr>
-            <a:r>
-              <a:rPr lang="en-US" dirty="0"/>
-              <a:t>On-premise: you manage it</a:t>
-            </a:r>
-          </a:p>
-          <a:p>
-            <a:pPr>
-              <a:buFontTx/>
-              <a:buChar char="-"/>
-            </a:pPr>
-            <a:r>
-              <a:rPr lang="en-US" dirty="0"/>
-              <a:t>Cloud: someone else manages it for you </a:t>
-            </a:r>
-          </a:p>
-          <a:p>
-            <a:pPr lvl="1">
-              <a:buFontTx/>
-              <a:buChar char="-"/>
-            </a:pPr>
-            <a:r>
-              <a:rPr lang="en-US" dirty="0"/>
-              <a:t>IaaS/SaaS/PaaS</a:t>
-            </a:r>
-          </a:p>
-          <a:p>
-            <a:pPr>
-              <a:buFontTx/>
-              <a:buChar char="-"/>
-            </a:pPr>
-            <a:r>
-              <a:rPr lang="en-US" dirty="0"/>
-              <a:t>Both have pros and cons</a:t>
-            </a:r>
-          </a:p>
-          <a:p>
-            <a:pPr>
-              <a:buFontTx/>
-              <a:buChar char="-"/>
-            </a:pPr>
-            <a:r>
-              <a:rPr lang="en-US" dirty="0"/>
-              <a:t>Resource management</a:t>
-            </a:r>
-          </a:p>
-          <a:p>
-            <a:pPr>
-              <a:buFontTx/>
-              <a:buChar char="-"/>
-            </a:pPr>
-            <a:endParaRPr lang="en-US" dirty="0"/>
-          </a:p>
-          <a:p>
-            <a:pPr>
-              <a:buFontTx/>
-              <a:buChar char="-"/>
-            </a:pPr>
-            <a:endParaRPr lang="en-US" dirty="0"/>
-          </a:p>
-        </p:txBody>
-      </p:sp>
-    </p:spTree>
-    <p:extLst>
-      <p:ext uri="{BB962C8B-B14F-4D97-AF65-F5344CB8AC3E}">
-        <p14:creationId xmlns:p14="http://schemas.microsoft.com/office/powerpoint/2010/main" val="2386426205"/>
-      </p:ext>
-    </p:extLst>
-  </p:cSld>
-  <p:clrMapOvr>
-    <a:masterClrMapping/>
-  </p:clrMapOvr>
-</p:sld>
-</file>
-
 <file path=ppt/slides/slide59.xml><?xml version="1.0" encoding="utf-8"?>
 <p:sld xmlns:a="http://schemas.openxmlformats.org/drawingml/2006/main" xmlns:r="http://schemas.openxmlformats.org/officeDocument/2006/relationships" xmlns:p="http://schemas.openxmlformats.org/presentationml/2006/main">
   <p:cSld>
@@ -15812,7 +15878,7 @@
           <p:cNvPr id="2" name="Title 1">
             <a:extLst>
               <a:ext uri="{FF2B5EF4-FFF2-40B4-BE49-F238E27FC236}">
-                <a16:creationId xmlns:a16="http://schemas.microsoft.com/office/drawing/2014/main" id="{B1CA68B1-F73C-4926-B29F-409AB2334E8C}"/>
+                <a16:creationId xmlns:a16="http://schemas.microsoft.com/office/drawing/2014/main" id="{1EC9CE42-E6EF-4286-8540-6193B4295CC2}"/>
               </a:ext>
             </a:extLst>
           </p:cNvPr>
@@ -15830,7 +15896,7 @@
           <a:p>
             <a:r>
               <a:rPr lang="en-US" dirty="0"/>
-              <a:t>Cloud-starter tips</a:t>
+              <a:t>Summary</a:t>
             </a:r>
           </a:p>
         </p:txBody>
@@ -15840,7 +15906,7 @@
           <p:cNvPr id="3" name="Content Placeholder 2">
             <a:extLst>
               <a:ext uri="{FF2B5EF4-FFF2-40B4-BE49-F238E27FC236}">
-                <a16:creationId xmlns:a16="http://schemas.microsoft.com/office/drawing/2014/main" id="{2A0DCE47-2B34-4C55-AB0E-C431D345CA50}"/>
+                <a16:creationId xmlns:a16="http://schemas.microsoft.com/office/drawing/2014/main" id="{5F799448-D93E-46BE-8072-FEA87C3CA57F}"/>
               </a:ext>
             </a:extLst>
           </p:cNvPr>
@@ -15856,55 +15922,75 @@
           <a:bodyPr/>
           <a:lstStyle/>
           <a:p>
-            <a:r>
-              <a:rPr lang="en-US" dirty="0"/>
-              <a:t> Start within free-tier</a:t>
-            </a:r>
-          </a:p>
-          <a:p>
-            <a:r>
-              <a:rPr lang="en-US" dirty="0"/>
-              <a:t> </a:t>
-            </a:r>
-            <a:r>
-              <a:rPr lang="en-US" dirty="0">
-                <a:solidFill>
-                  <a:schemeClr val="accent1"/>
-                </a:solidFill>
-              </a:rPr>
-              <a:t>Set billing alerts</a:t>
-            </a:r>
-            <a:r>
-              <a:rPr lang="en-US" dirty="0"/>
-              <a:t> at 50-90% of your limits</a:t>
-            </a:r>
-          </a:p>
-          <a:p>
-            <a:r>
-              <a:rPr lang="en-US" dirty="0"/>
-              <a:t> </a:t>
-            </a:r>
-            <a:r>
-              <a:rPr lang="en-US" dirty="0">
-                <a:solidFill>
-                  <a:schemeClr val="accent1"/>
-                </a:solidFill>
-              </a:rPr>
-              <a:t>Delete services after tests</a:t>
-            </a:r>
-          </a:p>
-          <a:p>
-            <a:r>
-              <a:rPr lang="en-US" dirty="0"/>
-              <a:t> Clouds evolve all the time. Even for services you think you know, always check docs</a:t>
-            </a:r>
+            <a:pPr>
+              <a:buFontTx/>
+              <a:buChar char="-"/>
+            </a:pPr>
+            <a:r>
+              <a:rPr lang="en-US" dirty="0"/>
+              <a:t>On-premise: you manage it</a:t>
+            </a:r>
+          </a:p>
+          <a:p>
+            <a:pPr>
+              <a:buFontTx/>
+              <a:buChar char="-"/>
+            </a:pPr>
+            <a:r>
+              <a:rPr lang="en-US" dirty="0"/>
+              <a:t>Cloud: someone else manages it for you </a:t>
+            </a:r>
+          </a:p>
+          <a:p>
+            <a:pPr lvl="1">
+              <a:buFontTx/>
+              <a:buChar char="-"/>
+            </a:pPr>
+            <a:r>
+              <a:rPr lang="en-US" dirty="0"/>
+              <a:t>IaaS/SaaS/PaaS</a:t>
+            </a:r>
+          </a:p>
+          <a:p>
+            <a:pPr>
+              <a:buFontTx/>
+              <a:buChar char="-"/>
+            </a:pPr>
+            <a:r>
+              <a:rPr lang="en-US" dirty="0"/>
+              <a:t>Both have pros and cons</a:t>
+            </a:r>
+          </a:p>
+          <a:p>
+            <a:pPr>
+              <a:buFontTx/>
+              <a:buChar char="-"/>
+            </a:pPr>
+            <a:r>
+              <a:rPr lang="en-US" dirty="0"/>
+              <a:t>Resource management</a:t>
+            </a:r>
+          </a:p>
+          <a:p>
+            <a:pPr>
+              <a:buFontTx/>
+              <a:buChar char="-"/>
+            </a:pPr>
+            <a:endParaRPr lang="en-US" dirty="0"/>
+          </a:p>
+          <a:p>
+            <a:pPr>
+              <a:buFontTx/>
+              <a:buChar char="-"/>
+            </a:pPr>
+            <a:endParaRPr lang="en-US" dirty="0"/>
           </a:p>
         </p:txBody>
       </p:sp>
     </p:spTree>
     <p:extLst>
       <p:ext uri="{BB962C8B-B14F-4D97-AF65-F5344CB8AC3E}">
-        <p14:creationId xmlns:p14="http://schemas.microsoft.com/office/powerpoint/2010/main" val="3564304204"/>
+        <p14:creationId xmlns:p14="http://schemas.microsoft.com/office/powerpoint/2010/main" val="2386426205"/>
       </p:ext>
     </p:extLst>
   </p:cSld>
@@ -16076,58 +16162,53 @@
           <a:p>
             <a:r>
               <a:rPr lang="en-US" dirty="0"/>
-              <a:t>Compare GCP to others: </a:t>
+              <a:t> Start within free-tier</a:t>
+            </a:r>
+          </a:p>
+          <a:p>
+            <a:r>
+              <a:rPr lang="en-US" dirty="0"/>
+              <a:t> </a:t>
             </a:r>
             <a:r>
               <a:rPr lang="en-US" dirty="0">
-                <a:hlinkClick r:id="rId2"/>
+                <a:solidFill>
+                  <a:schemeClr val="accent1"/>
+                </a:solidFill>
               </a:rPr>
-              <a:t>single table</a:t>
-            </a:r>
-            <a:endParaRPr lang="en-US" dirty="0"/>
-          </a:p>
-          <a:p>
-            <a:r>
-              <a:rPr lang="en-US" dirty="0"/>
-              <a:t>Compare Azure to others: </a:t>
+              <a:t>Set billing alerts</a:t>
+            </a:r>
+            <a:r>
+              <a:rPr lang="en-US" dirty="0"/>
+              <a:t> at 50-90% of your limits</a:t>
+            </a:r>
+          </a:p>
+          <a:p>
+            <a:r>
+              <a:rPr lang="en-US" dirty="0"/>
+              <a:t> </a:t>
             </a:r>
             <a:r>
               <a:rPr lang="en-US" dirty="0">
-                <a:hlinkClick r:id="rId3"/>
+                <a:solidFill>
+                  <a:schemeClr val="accent1"/>
+                </a:solidFill>
               </a:rPr>
-              <a:t>GCP</a:t>
-            </a:r>
-            <a:r>
-              <a:rPr lang="en-US" dirty="0"/>
-              <a:t> and </a:t>
-            </a:r>
-            <a:r>
-              <a:rPr lang="en-US" dirty="0">
-                <a:hlinkClick r:id="rId4"/>
-              </a:rPr>
-              <a:t>AWS</a:t>
-            </a:r>
-            <a:endParaRPr lang="en-US" dirty="0"/>
-          </a:p>
-          <a:p>
-            <a:r>
-              <a:rPr lang="en-US" dirty="0"/>
-              <a:t>+ IBM, Oracle, Alibaba at </a:t>
-            </a:r>
-            <a:r>
-              <a:rPr lang="en-US" dirty="0">
-                <a:hlinkClick r:id="rId5"/>
-              </a:rPr>
-              <a:t>Compare Clouds</a:t>
-            </a:r>
-            <a:endParaRPr lang="en-US" dirty="0"/>
+              <a:t>Delete services after tests</a:t>
+            </a:r>
+          </a:p>
+          <a:p>
+            <a:r>
+              <a:rPr lang="en-US" dirty="0"/>
+              <a:t> Clouds evolve all the time. Even for services you think you know, always check docs</a:t>
+            </a:r>
           </a:p>
         </p:txBody>
       </p:sp>
     </p:spTree>
     <p:extLst>
       <p:ext uri="{BB962C8B-B14F-4D97-AF65-F5344CB8AC3E}">
-        <p14:creationId xmlns:p14="http://schemas.microsoft.com/office/powerpoint/2010/main" val="2531186455"/>
+        <p14:creationId xmlns:p14="http://schemas.microsoft.com/office/powerpoint/2010/main" val="3564304204"/>
       </p:ext>
     </p:extLst>
   </p:cSld>
@@ -16159,6 +16240,135 @@
           <p:cNvPr id="2" name="Title 1">
             <a:extLst>
               <a:ext uri="{FF2B5EF4-FFF2-40B4-BE49-F238E27FC236}">
+                <a16:creationId xmlns:a16="http://schemas.microsoft.com/office/drawing/2014/main" id="{B1CA68B1-F73C-4926-B29F-409AB2334E8C}"/>
+              </a:ext>
+            </a:extLst>
+          </p:cNvPr>
+          <p:cNvSpPr>
+            <a:spLocks noGrp="1"/>
+          </p:cNvSpPr>
+          <p:nvPr>
+            <p:ph type="title"/>
+          </p:nvPr>
+        </p:nvSpPr>
+        <p:spPr/>
+        <p:txBody>
+          <a:bodyPr/>
+          <a:lstStyle/>
+          <a:p>
+            <a:r>
+              <a:rPr lang="en-US" dirty="0"/>
+              <a:t>Cloud-starter tips</a:t>
+            </a:r>
+          </a:p>
+        </p:txBody>
+      </p:sp>
+      <p:sp>
+        <p:nvSpPr>
+          <p:cNvPr id="3" name="Content Placeholder 2">
+            <a:extLst>
+              <a:ext uri="{FF2B5EF4-FFF2-40B4-BE49-F238E27FC236}">
+                <a16:creationId xmlns:a16="http://schemas.microsoft.com/office/drawing/2014/main" id="{2A0DCE47-2B34-4C55-AB0E-C431D345CA50}"/>
+              </a:ext>
+            </a:extLst>
+          </p:cNvPr>
+          <p:cNvSpPr>
+            <a:spLocks noGrp="1"/>
+          </p:cNvSpPr>
+          <p:nvPr>
+            <p:ph idx="1"/>
+          </p:nvPr>
+        </p:nvSpPr>
+        <p:spPr/>
+        <p:txBody>
+          <a:bodyPr/>
+          <a:lstStyle/>
+          <a:p>
+            <a:r>
+              <a:rPr lang="en-US" dirty="0"/>
+              <a:t>Compare GCP to others: </a:t>
+            </a:r>
+            <a:r>
+              <a:rPr lang="en-US" dirty="0">
+                <a:hlinkClick r:id="rId2"/>
+              </a:rPr>
+              <a:t>single table</a:t>
+            </a:r>
+            <a:endParaRPr lang="en-US" dirty="0"/>
+          </a:p>
+          <a:p>
+            <a:r>
+              <a:rPr lang="en-US" dirty="0"/>
+              <a:t>Compare Azure to others: </a:t>
+            </a:r>
+            <a:r>
+              <a:rPr lang="en-US" dirty="0">
+                <a:hlinkClick r:id="rId3"/>
+              </a:rPr>
+              <a:t>GCP</a:t>
+            </a:r>
+            <a:r>
+              <a:rPr lang="en-US" dirty="0"/>
+              <a:t> and </a:t>
+            </a:r>
+            <a:r>
+              <a:rPr lang="en-US" dirty="0">
+                <a:hlinkClick r:id="rId4"/>
+              </a:rPr>
+              <a:t>AWS</a:t>
+            </a:r>
+            <a:endParaRPr lang="en-US" dirty="0"/>
+          </a:p>
+          <a:p>
+            <a:r>
+              <a:rPr lang="en-US" dirty="0"/>
+              <a:t>+ IBM, Oracle, Alibaba at </a:t>
+            </a:r>
+            <a:r>
+              <a:rPr lang="en-US" dirty="0">
+                <a:hlinkClick r:id="rId5"/>
+              </a:rPr>
+              <a:t>Compare Clouds</a:t>
+            </a:r>
+            <a:endParaRPr lang="en-US" dirty="0"/>
+          </a:p>
+        </p:txBody>
+      </p:sp>
+    </p:spTree>
+    <p:extLst>
+      <p:ext uri="{BB962C8B-B14F-4D97-AF65-F5344CB8AC3E}">
+        <p14:creationId xmlns:p14="http://schemas.microsoft.com/office/powerpoint/2010/main" val="2531186455"/>
+      </p:ext>
+    </p:extLst>
+  </p:cSld>
+  <p:clrMapOvr>
+    <a:masterClrMapping/>
+  </p:clrMapOvr>
+</p:sld>
+</file>
+
+<file path=ppt/slides/slide62.xml><?xml version="1.0" encoding="utf-8"?>
+<p:sld xmlns:a="http://schemas.openxmlformats.org/drawingml/2006/main" xmlns:r="http://schemas.openxmlformats.org/officeDocument/2006/relationships" xmlns:p="http://schemas.openxmlformats.org/presentationml/2006/main">
+  <p:cSld>
+    <p:spTree>
+      <p:nvGrpSpPr>
+        <p:cNvPr id="1" name=""/>
+        <p:cNvGrpSpPr/>
+        <p:nvPr/>
+      </p:nvGrpSpPr>
+      <p:grpSpPr>
+        <a:xfrm>
+          <a:off x="0" y="0"/>
+          <a:ext cx="0" cy="0"/>
+          <a:chOff x="0" y="0"/>
+          <a:chExt cx="0" cy="0"/>
+        </a:xfrm>
+      </p:grpSpPr>
+      <p:sp>
+        <p:nvSpPr>
+          <p:cNvPr id="2" name="Title 1">
+            <a:extLst>
+              <a:ext uri="{FF2B5EF4-FFF2-40B4-BE49-F238E27FC236}">
                 <a16:creationId xmlns:a16="http://schemas.microsoft.com/office/drawing/2014/main" id="{0D7BC7F9-8648-4925-B8F6-ECE1C24FBF2B}"/>
               </a:ext>
             </a:extLst>
@@ -16257,7 +16467,7 @@
 </p:sld>
 </file>
 
-<file path=ppt/slides/slide62.xml><?xml version="1.0" encoding="utf-8"?>
+<file path=ppt/slides/slide63.xml><?xml version="1.0" encoding="utf-8"?>
 <p:sld xmlns:a="http://schemas.openxmlformats.org/drawingml/2006/main" xmlns:r="http://schemas.openxmlformats.org/officeDocument/2006/relationships" xmlns:p="http://schemas.openxmlformats.org/presentationml/2006/main">
   <p:cSld>
     <p:spTree>

--- a/presentations/02_What_is_cloud.pptx
+++ b/presentations/02_What_is_cloud.pptx
@@ -395,7 +395,7 @@
           <a:p>
             <a:fld id="{C7D5C5CF-EC13-4922-9963-1003B612C353}" type="datetimeFigureOut">
               <a:rPr lang="en-US" smtClean="0"/>
-              <a:t>02-Feb-22</a:t>
+              <a:t>09-Apr-22</a:t>
             </a:fld>
             <a:endParaRPr lang="en-US"/>
           </a:p>
@@ -1383,7 +1383,7 @@
           <a:p>
             <a:r>
               <a:rPr lang="en-US" dirty="0"/>
-              <a:t> PaaS is a platform allowing customers to develop, run, and manage applications without the complexity of building and maintaining the infrastructure typically associated with developing and launching an app</a:t>
+              <a:t>PaaS is a platform allowing customers to develop, run, and manage applications without the complexity of building and maintaining the infrastructure typically associated with developing and launching an app</a:t>
             </a:r>
           </a:p>
         </p:txBody>
@@ -4478,7 +4478,7 @@
           <a:p>
             <a:fld id="{DED68B2C-3021-48BA-A5BE-74845F75E7EB}" type="datetimeFigureOut">
               <a:rPr lang="en-US" smtClean="0"/>
-              <a:t>02-Feb-22</a:t>
+              <a:t>09-Apr-22</a:t>
             </a:fld>
             <a:endParaRPr lang="en-US"/>
           </a:p>
@@ -4676,7 +4676,7 @@
           <a:p>
             <a:fld id="{DED68B2C-3021-48BA-A5BE-74845F75E7EB}" type="datetimeFigureOut">
               <a:rPr lang="en-US" smtClean="0"/>
-              <a:t>02-Feb-22</a:t>
+              <a:t>09-Apr-22</a:t>
             </a:fld>
             <a:endParaRPr lang="en-US"/>
           </a:p>
@@ -4884,7 +4884,7 @@
           <a:p>
             <a:fld id="{DED68B2C-3021-48BA-A5BE-74845F75E7EB}" type="datetimeFigureOut">
               <a:rPr lang="en-US" smtClean="0"/>
-              <a:t>02-Feb-22</a:t>
+              <a:t>09-Apr-22</a:t>
             </a:fld>
             <a:endParaRPr lang="en-US"/>
           </a:p>
@@ -5082,7 +5082,7 @@
           <a:p>
             <a:fld id="{DED68B2C-3021-48BA-A5BE-74845F75E7EB}" type="datetimeFigureOut">
               <a:rPr lang="en-US" smtClean="0"/>
-              <a:t>02-Feb-22</a:t>
+              <a:t>09-Apr-22</a:t>
             </a:fld>
             <a:endParaRPr lang="en-US"/>
           </a:p>
@@ -5357,7 +5357,7 @@
           <a:p>
             <a:fld id="{DED68B2C-3021-48BA-A5BE-74845F75E7EB}" type="datetimeFigureOut">
               <a:rPr lang="en-US" smtClean="0"/>
-              <a:t>02-Feb-22</a:t>
+              <a:t>09-Apr-22</a:t>
             </a:fld>
             <a:endParaRPr lang="en-US"/>
           </a:p>
@@ -5622,7 +5622,7 @@
           <a:p>
             <a:fld id="{DED68B2C-3021-48BA-A5BE-74845F75E7EB}" type="datetimeFigureOut">
               <a:rPr lang="en-US" smtClean="0"/>
-              <a:t>02-Feb-22</a:t>
+              <a:t>09-Apr-22</a:t>
             </a:fld>
             <a:endParaRPr lang="en-US"/>
           </a:p>
@@ -6034,7 +6034,7 @@
           <a:p>
             <a:fld id="{DED68B2C-3021-48BA-A5BE-74845F75E7EB}" type="datetimeFigureOut">
               <a:rPr lang="en-US" smtClean="0"/>
-              <a:t>02-Feb-22</a:t>
+              <a:t>09-Apr-22</a:t>
             </a:fld>
             <a:endParaRPr lang="en-US"/>
           </a:p>
@@ -6175,7 +6175,7 @@
           <a:p>
             <a:fld id="{DED68B2C-3021-48BA-A5BE-74845F75E7EB}" type="datetimeFigureOut">
               <a:rPr lang="en-US" smtClean="0"/>
-              <a:t>02-Feb-22</a:t>
+              <a:t>09-Apr-22</a:t>
             </a:fld>
             <a:endParaRPr lang="en-US"/>
           </a:p>
@@ -6288,7 +6288,7 @@
           <a:p>
             <a:fld id="{DED68B2C-3021-48BA-A5BE-74845F75E7EB}" type="datetimeFigureOut">
               <a:rPr lang="en-US" smtClean="0"/>
-              <a:t>02-Feb-22</a:t>
+              <a:t>09-Apr-22</a:t>
             </a:fld>
             <a:endParaRPr lang="en-US"/>
           </a:p>
@@ -6599,7 +6599,7 @@
           <a:p>
             <a:fld id="{DED68B2C-3021-48BA-A5BE-74845F75E7EB}" type="datetimeFigureOut">
               <a:rPr lang="en-US" smtClean="0"/>
-              <a:t>02-Feb-22</a:t>
+              <a:t>09-Apr-22</a:t>
             </a:fld>
             <a:endParaRPr lang="en-US"/>
           </a:p>
@@ -6887,7 +6887,7 @@
           <a:p>
             <a:fld id="{DED68B2C-3021-48BA-A5BE-74845F75E7EB}" type="datetimeFigureOut">
               <a:rPr lang="en-US" smtClean="0"/>
-              <a:t>02-Feb-22</a:t>
+              <a:t>09-Apr-22</a:t>
             </a:fld>
             <a:endParaRPr lang="en-US"/>
           </a:p>
@@ -7128,7 +7128,7 @@
           <a:p>
             <a:fld id="{DED68B2C-3021-48BA-A5BE-74845F75E7EB}" type="datetimeFigureOut">
               <a:rPr lang="en-US" smtClean="0"/>
-              <a:t>02-Feb-22</a:t>
+              <a:t>09-Apr-22</a:t>
             </a:fld>
             <a:endParaRPr lang="en-US"/>
           </a:p>
@@ -7813,7 +7813,7 @@
           <a:p>
             <a:r>
               <a:rPr lang="en-US" dirty="0"/>
-              <a:t>Natural disasters and wars (or just leaking roof)</a:t>
+              <a:t>Natural and human-caused disasters (even leaking roof)</a:t>
             </a:r>
           </a:p>
           <a:p>
@@ -10144,15 +10144,7 @@
             </a:pPr>
             <a:r>
               <a:rPr lang="en-US" dirty="0"/>
-              <a:t>IoT Platforms: </a:t>
-            </a:r>
-            <a:r>
-              <a:rPr lang="en-US" dirty="0" err="1"/>
-              <a:t>Everyware</a:t>
-            </a:r>
-            <a:r>
-              <a:rPr lang="en-US" dirty="0"/>
-              <a:t> Cloud, Azure IoT Hub, …</a:t>
+              <a:t>Azure IoT Hub</a:t>
             </a:r>
           </a:p>
           <a:p>
@@ -10556,6 +10548,16 @@
             <a:r>
               <a:rPr lang="en-US" dirty="0"/>
               <a:t>Office365</a:t>
+            </a:r>
+          </a:p>
+          <a:p>
+            <a:pPr>
+              <a:buFontTx/>
+              <a:buChar char="-"/>
+            </a:pPr>
+            <a:r>
+              <a:rPr lang="en-US" dirty="0"/>
+              <a:t>Datadog</a:t>
             </a:r>
           </a:p>
         </p:txBody>
@@ -15948,7 +15950,7 @@
             </a:pPr>
             <a:r>
               <a:rPr lang="en-US" dirty="0"/>
-              <a:t>IaaS/SaaS/PaaS</a:t>
+              <a:t>IaaS/PaaS/SaaS</a:t>
             </a:r>
           </a:p>
           <a:p>
